--- a/CPSC-24700/Presentations/xml-and-webservices.pptx
+++ b/CPSC-24700/Presentations/xml-and-webservices.pptx
@@ -200,6 +200,10 @@
 </p:presentation>
 </file>
 
+<file path=ppt/revisionInfo.xml><?xml version="1.0" encoding="utf-8"?>
+<p1510:revInfo xmlns:a="http://schemas.openxmlformats.org/drawingml/2006/main" xmlns:r="http://schemas.openxmlformats.org/officeDocument/2006/relationships" xmlns:p1510="http://schemas.microsoft.com/office/powerpoint/2015/10/main"/>
+</file>
+
 <file path=ppt/notesMasters/notesMaster1.xml><?xml version="1.0" encoding="utf-8"?>
 <p:notesMaster xmlns:a="http://schemas.openxmlformats.org/drawingml/2006/main" xmlns:r="http://schemas.openxmlformats.org/officeDocument/2006/relationships" xmlns:p="http://schemas.openxmlformats.org/presentationml/2006/main">
   <p:cSld>
@@ -282,7 +286,7 @@
           <a:p>
             <a:fld id="{82AC26F5-A2E7-4901-A403-BBD25C17198C}" type="datetimeFigureOut">
               <a:rPr lang="en-US" smtClean="0"/>
-              <a:t>10/17/2017</a:t>
+              <a:t>10/20/2017</a:t>
             </a:fld>
             <a:endParaRPr lang="en-US"/>
           </a:p>
@@ -1473,7 +1477,7 @@
           <a:p>
             <a:fld id="{FB7712AD-3B21-4FE9-B722-CF9B0200D9B9}" type="datetimeFigureOut">
               <a:rPr lang="en-US" smtClean="0"/>
-              <a:t>10/17/2017</a:t>
+              <a:t>10/20/2017</a:t>
             </a:fld>
             <a:endParaRPr lang="en-US"/>
           </a:p>
@@ -1740,7 +1744,7 @@
           <a:p>
             <a:fld id="{FB7712AD-3B21-4FE9-B722-CF9B0200D9B9}" type="datetimeFigureOut">
               <a:rPr lang="en-US" smtClean="0"/>
-              <a:t>10/17/2017</a:t>
+              <a:t>10/20/2017</a:t>
             </a:fld>
             <a:endParaRPr lang="en-US"/>
           </a:p>
@@ -1920,7 +1924,7 @@
           <a:p>
             <a:fld id="{FB7712AD-3B21-4FE9-B722-CF9B0200D9B9}" type="datetimeFigureOut">
               <a:rPr lang="en-US" smtClean="0"/>
-              <a:t>10/17/2017</a:t>
+              <a:t>10/20/2017</a:t>
             </a:fld>
             <a:endParaRPr lang="en-US"/>
           </a:p>
@@ -2110,7 +2114,7 @@
           <a:p>
             <a:fld id="{FB7712AD-3B21-4FE9-B722-CF9B0200D9B9}" type="datetimeFigureOut">
               <a:rPr lang="en-US" smtClean="0"/>
-              <a:t>10/17/2017</a:t>
+              <a:t>10/20/2017</a:t>
             </a:fld>
             <a:endParaRPr lang="en-US"/>
           </a:p>
@@ -2254,7 +2258,7 @@
           <a:p>
             <a:fld id="{FB7712AD-3B21-4FE9-B722-CF9B0200D9B9}" type="datetimeFigureOut">
               <a:rPr lang="en-US" smtClean="0"/>
-              <a:t>10/17/2017</a:t>
+              <a:t>10/20/2017</a:t>
             </a:fld>
             <a:endParaRPr lang="en-US"/>
           </a:p>
@@ -2493,7 +2497,7 @@
           <a:p>
             <a:fld id="{FB7712AD-3B21-4FE9-B722-CF9B0200D9B9}" type="datetimeFigureOut">
               <a:rPr lang="en-US" smtClean="0"/>
-              <a:t>10/17/2017</a:t>
+              <a:t>10/20/2017</a:t>
             </a:fld>
             <a:endParaRPr lang="en-US"/>
           </a:p>
@@ -2696,7 +2700,7 @@
           <a:p>
             <a:fld id="{FB7712AD-3B21-4FE9-B722-CF9B0200D9B9}" type="datetimeFigureOut">
               <a:rPr lang="en-US" smtClean="0"/>
-              <a:t>10/17/2017</a:t>
+              <a:t>10/20/2017</a:t>
             </a:fld>
             <a:endParaRPr lang="en-US"/>
           </a:p>
@@ -2993,7 +2997,7 @@
           <a:p>
             <a:fld id="{FB7712AD-3B21-4FE9-B722-CF9B0200D9B9}" type="datetimeFigureOut">
               <a:rPr lang="en-US" smtClean="0"/>
-              <a:t>10/17/2017</a:t>
+              <a:t>10/20/2017</a:t>
             </a:fld>
             <a:endParaRPr lang="en-US"/>
           </a:p>
@@ -3429,7 +3433,7 @@
           <a:p>
             <a:fld id="{FB7712AD-3B21-4FE9-B722-CF9B0200D9B9}" type="datetimeFigureOut">
               <a:rPr lang="en-US" smtClean="0"/>
-              <a:t>10/17/2017</a:t>
+              <a:t>10/20/2017</a:t>
             </a:fld>
             <a:endParaRPr lang="en-US"/>
           </a:p>
@@ -3558,7 +3562,7 @@
           <a:p>
             <a:fld id="{FB7712AD-3B21-4FE9-B722-CF9B0200D9B9}" type="datetimeFigureOut">
               <a:rPr lang="en-US" smtClean="0"/>
-              <a:t>10/17/2017</a:t>
+              <a:t>10/20/2017</a:t>
             </a:fld>
             <a:endParaRPr lang="en-US"/>
           </a:p>
@@ -3665,7 +3669,7 @@
           <a:p>
             <a:fld id="{FB7712AD-3B21-4FE9-B722-CF9B0200D9B9}" type="datetimeFigureOut">
               <a:rPr lang="en-US" smtClean="0"/>
-              <a:t>10/17/2017</a:t>
+              <a:t>10/20/2017</a:t>
             </a:fld>
             <a:endParaRPr lang="en-US"/>
           </a:p>
@@ -3952,7 +3956,7 @@
           <a:p>
             <a:fld id="{FB7712AD-3B21-4FE9-B722-CF9B0200D9B9}" type="datetimeFigureOut">
               <a:rPr lang="en-US" smtClean="0"/>
-              <a:t>10/17/2017</a:t>
+              <a:t>10/20/2017</a:t>
             </a:fld>
             <a:endParaRPr lang="en-US"/>
           </a:p>
@@ -4278,7 +4282,7 @@
           <a:p>
             <a:fld id="{FB7712AD-3B21-4FE9-B722-CF9B0200D9B9}" type="datetimeFigureOut">
               <a:rPr lang="en-US" smtClean="0"/>
-              <a:t>10/17/2017</a:t>
+              <a:t>10/20/2017</a:t>
             </a:fld>
             <a:endParaRPr lang="en-US"/>
           </a:p>
